--- a/创建工程步骤.pptx
+++ b/创建工程步骤.pptx
@@ -27,6 +27,11 @@
     <p:sldId id="273" r:id="rId21"/>
     <p:sldId id="274" r:id="rId22"/>
     <p:sldId id="275" r:id="rId23"/>
+    <p:sldId id="278" r:id="rId24"/>
+    <p:sldId id="279" r:id="rId25"/>
+    <p:sldId id="280" r:id="rId26"/>
+    <p:sldId id="281" r:id="rId27"/>
+    <p:sldId id="282" r:id="rId28"/>
   </p:sldIdLst>
   <p:sldSz cx="9144000" cy="6858000" type="screen4x3"/>
   <p:notesSz cx="6858000" cy="9144000"/>
@@ -309,7 +314,7 @@
           <a:p>
             <a:fld id="{530820CF-B880-4189-942D-D702A7CBA730}" type="datetimeFigureOut">
               <a:rPr lang="zh-CN" altLang="en-US" smtClean="0"/>
-              <a:t>2016/6/23</a:t>
+              <a:t>2016/6/28</a:t>
             </a:fld>
             <a:endParaRPr lang="zh-CN" altLang="en-US"/>
           </a:p>
@@ -474,7 +479,7 @@
           <a:p>
             <a:fld id="{530820CF-B880-4189-942D-D702A7CBA730}" type="datetimeFigureOut">
               <a:rPr lang="zh-CN" altLang="en-US" smtClean="0"/>
-              <a:t>2016/6/23</a:t>
+              <a:t>2016/6/28</a:t>
             </a:fld>
             <a:endParaRPr lang="zh-CN" altLang="en-US"/>
           </a:p>
@@ -649,7 +654,7 @@
           <a:p>
             <a:fld id="{530820CF-B880-4189-942D-D702A7CBA730}" type="datetimeFigureOut">
               <a:rPr lang="zh-CN" altLang="en-US" smtClean="0"/>
-              <a:t>2016/6/23</a:t>
+              <a:t>2016/6/28</a:t>
             </a:fld>
             <a:endParaRPr lang="zh-CN" altLang="en-US"/>
           </a:p>
@@ -814,7 +819,7 @@
           <a:p>
             <a:fld id="{530820CF-B880-4189-942D-D702A7CBA730}" type="datetimeFigureOut">
               <a:rPr lang="zh-CN" altLang="en-US" smtClean="0"/>
-              <a:t>2016/6/23</a:t>
+              <a:t>2016/6/28</a:t>
             </a:fld>
             <a:endParaRPr lang="zh-CN" altLang="en-US"/>
           </a:p>
@@ -1055,7 +1060,7 @@
           <a:p>
             <a:fld id="{530820CF-B880-4189-942D-D702A7CBA730}" type="datetimeFigureOut">
               <a:rPr lang="zh-CN" altLang="en-US" smtClean="0"/>
-              <a:t>2016/6/23</a:t>
+              <a:t>2016/6/28</a:t>
             </a:fld>
             <a:endParaRPr lang="zh-CN" altLang="en-US"/>
           </a:p>
@@ -1338,7 +1343,7 @@
           <a:p>
             <a:fld id="{530820CF-B880-4189-942D-D702A7CBA730}" type="datetimeFigureOut">
               <a:rPr lang="zh-CN" altLang="en-US" smtClean="0"/>
-              <a:t>2016/6/23</a:t>
+              <a:t>2016/6/28</a:t>
             </a:fld>
             <a:endParaRPr lang="zh-CN" altLang="en-US"/>
           </a:p>
@@ -1755,7 +1760,7 @@
           <a:p>
             <a:fld id="{530820CF-B880-4189-942D-D702A7CBA730}" type="datetimeFigureOut">
               <a:rPr lang="zh-CN" altLang="en-US" smtClean="0"/>
-              <a:t>2016/6/23</a:t>
+              <a:t>2016/6/28</a:t>
             </a:fld>
             <a:endParaRPr lang="zh-CN" altLang="en-US"/>
           </a:p>
@@ -1868,7 +1873,7 @@
           <a:p>
             <a:fld id="{530820CF-B880-4189-942D-D702A7CBA730}" type="datetimeFigureOut">
               <a:rPr lang="zh-CN" altLang="en-US" smtClean="0"/>
-              <a:t>2016/6/23</a:t>
+              <a:t>2016/6/28</a:t>
             </a:fld>
             <a:endParaRPr lang="zh-CN" altLang="en-US"/>
           </a:p>
@@ -1958,7 +1963,7 @@
           <a:p>
             <a:fld id="{530820CF-B880-4189-942D-D702A7CBA730}" type="datetimeFigureOut">
               <a:rPr lang="zh-CN" altLang="en-US" smtClean="0"/>
-              <a:t>2016/6/23</a:t>
+              <a:t>2016/6/28</a:t>
             </a:fld>
             <a:endParaRPr lang="zh-CN" altLang="en-US"/>
           </a:p>
@@ -2230,7 +2235,7 @@
           <a:p>
             <a:fld id="{530820CF-B880-4189-942D-D702A7CBA730}" type="datetimeFigureOut">
               <a:rPr lang="zh-CN" altLang="en-US" smtClean="0"/>
-              <a:t>2016/6/23</a:t>
+              <a:t>2016/6/28</a:t>
             </a:fld>
             <a:endParaRPr lang="zh-CN" altLang="en-US"/>
           </a:p>
@@ -2478,7 +2483,7 @@
           <a:p>
             <a:fld id="{530820CF-B880-4189-942D-D702A7CBA730}" type="datetimeFigureOut">
               <a:rPr lang="zh-CN" altLang="en-US" smtClean="0"/>
-              <a:t>2016/6/23</a:t>
+              <a:t>2016/6/28</a:t>
             </a:fld>
             <a:endParaRPr lang="zh-CN" altLang="en-US"/>
           </a:p>
@@ -2686,7 +2691,7 @@
           <a:p>
             <a:fld id="{530820CF-B880-4189-942D-D702A7CBA730}" type="datetimeFigureOut">
               <a:rPr lang="zh-CN" altLang="en-US" smtClean="0"/>
-              <a:t>2016/6/23</a:t>
+              <a:t>2016/6/28</a:t>
             </a:fld>
             <a:endParaRPr lang="zh-CN" altLang="en-US"/>
           </a:p>
@@ -3475,7 +3480,7 @@
           <a:graphicData uri="http://schemas.openxmlformats.org/presentationml/2006/ole">
             <mc:AlternateContent xmlns:mc="http://schemas.openxmlformats.org/markup-compatibility/2006">
               <mc:Choice xmlns:v="urn:schemas-microsoft-com:vml" Requires="v">
-                <p:oleObj spid="_x0000_s18439" name="包装程序外壳对象" showAsIcon="1" r:id="rId3" imgW="800280" imgH="711360" progId="Package">
+                <p:oleObj spid="_x0000_s18447" name="包装程序外壳对象" showAsIcon="1" r:id="rId3" imgW="800280" imgH="711360" progId="Package">
                   <p:embed/>
                 </p:oleObj>
               </mc:Choice>
@@ -4367,7 +4372,7 @@
           <a:bodyPr/>
           <a:lstStyle/>
           <a:p>
-            <a:endParaRPr lang="zh-CN" altLang="en-US"/>
+            <a:endParaRPr lang="zh-CN" altLang="en-US" dirty="0"/>
           </a:p>
         </p:txBody>
       </p:sp>
@@ -5019,6 +5024,1536 @@
 </p:sld>
 </file>
 
+<file path=ppt/slides/slide23.xml><?xml version="1.0" encoding="utf-8"?>
+<p:sld xmlns:a="http://schemas.openxmlformats.org/drawingml/2006/main" xmlns:r="http://schemas.openxmlformats.org/officeDocument/2006/relationships" xmlns:p="http://schemas.openxmlformats.org/presentationml/2006/main">
+  <p:cSld>
+    <p:spTree>
+      <p:nvGrpSpPr>
+        <p:cNvPr id="1" name=""/>
+        <p:cNvGrpSpPr/>
+        <p:nvPr/>
+      </p:nvGrpSpPr>
+      <p:grpSpPr>
+        <a:xfrm>
+          <a:off x="0" y="0"/>
+          <a:ext cx="0" cy="0"/>
+          <a:chOff x="0" y="0"/>
+          <a:chExt cx="0" cy="0"/>
+        </a:xfrm>
+      </p:grpSpPr>
+      <p:sp>
+        <p:nvSpPr>
+          <p:cNvPr id="2" name="标题 1"/>
+          <p:cNvSpPr>
+            <a:spLocks noGrp="1"/>
+          </p:cNvSpPr>
+          <p:nvPr>
+            <p:ph type="title"/>
+          </p:nvPr>
+        </p:nvSpPr>
+        <p:spPr/>
+        <p:txBody>
+          <a:bodyPr/>
+          <a:lstStyle/>
+          <a:p>
+            <a:r>
+              <a:rPr lang="zh-CN" altLang="en-US" dirty="0" smtClean="0"/>
+              <a:t>数据</a:t>
+            </a:r>
+            <a:r>
+              <a:rPr lang="zh-CN" altLang="en-US" dirty="0"/>
+              <a:t>配置</a:t>
+            </a:r>
+            <a:endParaRPr lang="zh-CN" altLang="en-US" dirty="0"/>
+          </a:p>
+        </p:txBody>
+      </p:sp>
+      <p:sp>
+        <p:nvSpPr>
+          <p:cNvPr id="3" name="内容占位符 2"/>
+          <p:cNvSpPr>
+            <a:spLocks noGrp="1"/>
+          </p:cNvSpPr>
+          <p:nvPr>
+            <p:ph idx="1"/>
+          </p:nvPr>
+        </p:nvSpPr>
+        <p:spPr/>
+        <p:txBody>
+          <a:bodyPr>
+            <a:normAutofit fontScale="32500" lnSpcReduction="20000"/>
+          </a:bodyPr>
+          <a:lstStyle/>
+          <a:p>
+            <a:r>
+              <a:rPr lang="en-US" altLang="zh-CN" dirty="0" smtClean="0"/>
+              <a:t>3:</a:t>
+            </a:r>
+          </a:p>
+          <a:p>
+            <a:r>
+              <a:rPr lang="en-US" altLang="zh-CN" dirty="0" smtClean="0"/>
+              <a:t>3.1</a:t>
+            </a:r>
+            <a:r>
+              <a:rPr lang="zh-CN" altLang="en-US" dirty="0" smtClean="0"/>
+              <a:t>：</a:t>
+            </a:r>
+            <a:endParaRPr lang="en-US" altLang="zh-CN" dirty="0" smtClean="0"/>
+          </a:p>
+          <a:p>
+            <a:r>
+              <a:rPr lang="en-US" altLang="zh-CN" dirty="0" smtClean="0"/>
+              <a:t>META-INF</a:t>
+            </a:r>
+            <a:endParaRPr lang="en-US" altLang="zh-CN" dirty="0"/>
+          </a:p>
+          <a:p>
+            <a:r>
+              <a:rPr lang="en-US" altLang="zh-CN" dirty="0"/>
+              <a:t>context.xml -&gt; </a:t>
+            </a:r>
+            <a:r>
+              <a:rPr lang="en-US" altLang="zh-CN" u="sng" dirty="0"/>
+              <a:t>tomcat </a:t>
+            </a:r>
+            <a:r>
+              <a:rPr lang="zh-CN" altLang="en-US" u="sng" dirty="0"/>
+              <a:t>连接池</a:t>
+            </a:r>
+          </a:p>
+          <a:p>
+            <a:r>
+              <a:rPr lang="en-US" altLang="zh-CN" dirty="0"/>
+              <a:t>&lt;Context&gt;</a:t>
+            </a:r>
+          </a:p>
+          <a:p>
+            <a:r>
+              <a:rPr lang="en-US" altLang="zh-CN" dirty="0"/>
+              <a:t>  &lt;Resource</a:t>
+            </a:r>
+          </a:p>
+          <a:p>
+            <a:r>
+              <a:rPr lang="en-US" altLang="zh-CN" dirty="0"/>
+              <a:t>   name="</a:t>
+            </a:r>
+            <a:r>
+              <a:rPr lang="en-US" altLang="zh-CN" u="sng" dirty="0" err="1"/>
+              <a:t>jdbc</a:t>
+            </a:r>
+            <a:r>
+              <a:rPr lang="en-US" altLang="zh-CN" u="sng" dirty="0"/>
+              <a:t>/</a:t>
+            </a:r>
+            <a:r>
+              <a:rPr lang="en-US" altLang="zh-CN" u="sng" dirty="0" err="1"/>
+              <a:t>shuyouliuDB</a:t>
+            </a:r>
+            <a:r>
+              <a:rPr lang="en-US" altLang="zh-CN" u="sng" dirty="0"/>
+              <a:t>"</a:t>
+            </a:r>
+          </a:p>
+          <a:p>
+            <a:r>
+              <a:rPr lang="en-US" altLang="zh-CN" dirty="0"/>
+              <a:t>   </a:t>
+            </a:r>
+            <a:r>
+              <a:rPr lang="en-US" altLang="zh-CN" u="sng" dirty="0" err="1"/>
+              <a:t>auth</a:t>
+            </a:r>
+            <a:r>
+              <a:rPr lang="en-US" altLang="zh-CN" u="sng" dirty="0"/>
+              <a:t>="Container"</a:t>
+            </a:r>
+          </a:p>
+          <a:p>
+            <a:r>
+              <a:rPr lang="en-US" altLang="zh-CN" dirty="0"/>
+              <a:t>   type="</a:t>
+            </a:r>
+            <a:r>
+              <a:rPr lang="en-US" altLang="zh-CN" dirty="0" err="1"/>
+              <a:t>javax.sql.DataSource</a:t>
+            </a:r>
+            <a:r>
+              <a:rPr lang="en-US" altLang="zh-CN" dirty="0"/>
+              <a:t>"</a:t>
+            </a:r>
+          </a:p>
+          <a:p>
+            <a:r>
+              <a:rPr lang="en-US" altLang="zh-CN" dirty="0"/>
+              <a:t>   factory="</a:t>
+            </a:r>
+            <a:r>
+              <a:rPr lang="en-US" altLang="zh-CN" dirty="0" err="1"/>
+              <a:t>org.apache.tomcat.jdbc.pool.DataSourceFactory</a:t>
+            </a:r>
+            <a:r>
+              <a:rPr lang="en-US" altLang="zh-CN" dirty="0"/>
+              <a:t>"</a:t>
+            </a:r>
+          </a:p>
+          <a:p>
+            <a:r>
+              <a:rPr lang="en-US" altLang="zh-CN" dirty="0"/>
+              <a:t>   </a:t>
+            </a:r>
+            <a:r>
+              <a:rPr lang="en-US" altLang="zh-CN" dirty="0" err="1"/>
+              <a:t>initialSize</a:t>
+            </a:r>
+            <a:r>
+              <a:rPr lang="en-US" altLang="zh-CN" dirty="0"/>
+              <a:t>="5"</a:t>
+            </a:r>
+          </a:p>
+          <a:p>
+            <a:r>
+              <a:rPr lang="en-US" altLang="zh-CN" dirty="0"/>
+              <a:t>   </a:t>
+            </a:r>
+            <a:r>
+              <a:rPr lang="en-US" altLang="zh-CN" dirty="0" err="1"/>
+              <a:t>maxActive</a:t>
+            </a:r>
+            <a:r>
+              <a:rPr lang="en-US" altLang="zh-CN" dirty="0"/>
+              <a:t>="55"</a:t>
+            </a:r>
+          </a:p>
+          <a:p>
+            <a:r>
+              <a:rPr lang="en-US" altLang="zh-CN" dirty="0"/>
+              <a:t>   </a:t>
+            </a:r>
+            <a:r>
+              <a:rPr lang="en-US" altLang="zh-CN" dirty="0" err="1"/>
+              <a:t>maxIdle</a:t>
+            </a:r>
+            <a:r>
+              <a:rPr lang="en-US" altLang="zh-CN" dirty="0"/>
+              <a:t>="21"</a:t>
+            </a:r>
+          </a:p>
+          <a:p>
+            <a:r>
+              <a:rPr lang="en-US" altLang="zh-CN" dirty="0"/>
+              <a:t>   </a:t>
+            </a:r>
+            <a:r>
+              <a:rPr lang="en-US" altLang="zh-CN" dirty="0" err="1"/>
+              <a:t>minIdle</a:t>
+            </a:r>
+            <a:r>
+              <a:rPr lang="en-US" altLang="zh-CN" dirty="0"/>
+              <a:t>="13"</a:t>
+            </a:r>
+          </a:p>
+          <a:p>
+            <a:r>
+              <a:rPr lang="en-US" altLang="zh-CN" dirty="0"/>
+              <a:t>   </a:t>
+            </a:r>
+            <a:r>
+              <a:rPr lang="en-US" altLang="zh-CN" dirty="0" err="1"/>
+              <a:t>timeBetweenEvictionRunsMillis</a:t>
+            </a:r>
+            <a:r>
+              <a:rPr lang="en-US" altLang="zh-CN" dirty="0"/>
+              <a:t>="34000"</a:t>
+            </a:r>
+          </a:p>
+          <a:p>
+            <a:r>
+              <a:rPr lang="en-US" altLang="zh-CN" dirty="0"/>
+              <a:t>   </a:t>
+            </a:r>
+            <a:r>
+              <a:rPr lang="en-US" altLang="zh-CN" dirty="0" err="1"/>
+              <a:t>minEvictableIdleTimeMillis</a:t>
+            </a:r>
+            <a:r>
+              <a:rPr lang="en-US" altLang="zh-CN" dirty="0"/>
+              <a:t>="55000"</a:t>
+            </a:r>
+          </a:p>
+          <a:p>
+            <a:r>
+              <a:rPr lang="en-US" altLang="zh-CN" dirty="0"/>
+              <a:t>   </a:t>
+            </a:r>
+            <a:r>
+              <a:rPr lang="en-US" altLang="zh-CN" dirty="0" err="1"/>
+              <a:t>validationQuery</a:t>
+            </a:r>
+            <a:r>
+              <a:rPr lang="en-US" altLang="zh-CN" dirty="0"/>
+              <a:t>="SELECT 1"</a:t>
+            </a:r>
+          </a:p>
+          <a:p>
+            <a:r>
+              <a:rPr lang="en-US" altLang="zh-CN" dirty="0"/>
+              <a:t>   </a:t>
+            </a:r>
+            <a:r>
+              <a:rPr lang="en-US" altLang="zh-CN" dirty="0" err="1"/>
+              <a:t>validationInterval</a:t>
+            </a:r>
+            <a:r>
+              <a:rPr lang="en-US" altLang="zh-CN" dirty="0"/>
+              <a:t>="34"</a:t>
+            </a:r>
+          </a:p>
+          <a:p>
+            <a:r>
+              <a:rPr lang="en-US" altLang="zh-CN" dirty="0"/>
+              <a:t>   </a:t>
+            </a:r>
+            <a:r>
+              <a:rPr lang="en-US" altLang="zh-CN" dirty="0" err="1"/>
+              <a:t>testOnBorrow</a:t>
+            </a:r>
+            <a:r>
+              <a:rPr lang="en-US" altLang="zh-CN" dirty="0"/>
+              <a:t>="true"</a:t>
+            </a:r>
+          </a:p>
+          <a:p>
+            <a:r>
+              <a:rPr lang="en-US" altLang="zh-CN" dirty="0"/>
+              <a:t>   </a:t>
+            </a:r>
+            <a:r>
+              <a:rPr lang="en-US" altLang="zh-CN" dirty="0" err="1"/>
+              <a:t>removeAbandoned</a:t>
+            </a:r>
+            <a:r>
+              <a:rPr lang="en-US" altLang="zh-CN" dirty="0"/>
+              <a:t>="true"</a:t>
+            </a:r>
+          </a:p>
+          <a:p>
+            <a:r>
+              <a:rPr lang="en-US" altLang="zh-CN" dirty="0"/>
+              <a:t>   </a:t>
+            </a:r>
+            <a:r>
+              <a:rPr lang="en-US" altLang="zh-CN" dirty="0" err="1"/>
+              <a:t>removeAbandonedTimeout</a:t>
+            </a:r>
+            <a:r>
+              <a:rPr lang="en-US" altLang="zh-CN" dirty="0"/>
+              <a:t>="233"</a:t>
+            </a:r>
+          </a:p>
+          <a:p>
+            <a:r>
+              <a:rPr lang="en-US" altLang="zh-CN" dirty="0"/>
+              <a:t>   </a:t>
+            </a:r>
+            <a:r>
+              <a:rPr lang="en-US" altLang="zh-CN" u="sng" dirty="0"/>
+              <a:t>username="</a:t>
+            </a:r>
+            <a:r>
+              <a:rPr lang="en-US" altLang="zh-CN" u="sng" dirty="0" err="1"/>
+              <a:t>shuyouliu</a:t>
+            </a:r>
+            <a:r>
+              <a:rPr lang="en-US" altLang="zh-CN" u="sng" dirty="0"/>
+              <a:t>"</a:t>
+            </a:r>
+          </a:p>
+          <a:p>
+            <a:r>
+              <a:rPr lang="en-US" altLang="zh-CN" dirty="0"/>
+              <a:t>   password="</a:t>
+            </a:r>
+            <a:r>
+              <a:rPr lang="en-US" altLang="zh-CN" u="sng" dirty="0" err="1"/>
+              <a:t>shuyouliu</a:t>
+            </a:r>
+            <a:r>
+              <a:rPr lang="en-US" altLang="zh-CN" u="sng" dirty="0"/>
+              <a:t>"</a:t>
+            </a:r>
+          </a:p>
+          <a:p>
+            <a:r>
+              <a:rPr lang="en-US" altLang="zh-CN" dirty="0"/>
+              <a:t>   </a:t>
+            </a:r>
+            <a:r>
+              <a:rPr lang="en-US" altLang="zh-CN" dirty="0" err="1"/>
+              <a:t>driverClassName</a:t>
+            </a:r>
+            <a:r>
+              <a:rPr lang="en-US" altLang="zh-CN" dirty="0"/>
+              <a:t>="</a:t>
+            </a:r>
+            <a:r>
+              <a:rPr lang="en-US" altLang="zh-CN" dirty="0" err="1"/>
+              <a:t>com.mysql.jdbc.Driver</a:t>
+            </a:r>
+            <a:r>
+              <a:rPr lang="en-US" altLang="zh-CN" dirty="0"/>
+              <a:t>"</a:t>
+            </a:r>
+          </a:p>
+          <a:p>
+            <a:r>
+              <a:rPr lang="en-US" altLang="zh-CN" dirty="0"/>
+              <a:t>   </a:t>
+            </a:r>
+            <a:r>
+              <a:rPr lang="en-US" altLang="zh-CN" u="sng" dirty="0" err="1"/>
+              <a:t>url</a:t>
+            </a:r>
+            <a:r>
+              <a:rPr lang="en-US" altLang="zh-CN" u="sng" dirty="0"/>
+              <a:t>="</a:t>
+            </a:r>
+            <a:r>
+              <a:rPr lang="en-US" altLang="zh-CN" u="sng" dirty="0" err="1"/>
+              <a:t>jdbc:mysql</a:t>
+            </a:r>
+            <a:r>
+              <a:rPr lang="en-US" altLang="zh-CN" u="sng" dirty="0"/>
+              <a:t>://localhost:3306/</a:t>
+            </a:r>
+            <a:r>
+              <a:rPr lang="en-US" altLang="zh-CN" u="sng" dirty="0" err="1"/>
+              <a:t>shuyouliudb?allowMultiQueries</a:t>
+            </a:r>
+            <a:r>
+              <a:rPr lang="en-US" altLang="zh-CN" u="sng" dirty="0"/>
+              <a:t>=true"</a:t>
+            </a:r>
+          </a:p>
+          <a:p>
+            <a:r>
+              <a:rPr lang="zh-CN" altLang="en-US" dirty="0"/>
+              <a:t>   </a:t>
+            </a:r>
+            <a:r>
+              <a:rPr lang="en-US" altLang="zh-CN" dirty="0"/>
+              <a:t>/&gt;  </a:t>
+            </a:r>
+          </a:p>
+          <a:p>
+            <a:r>
+              <a:rPr lang="en-US" altLang="zh-CN" dirty="0"/>
+              <a:t>&lt;/Context</a:t>
+            </a:r>
+            <a:r>
+              <a:rPr lang="en-US" altLang="zh-CN" dirty="0" smtClean="0"/>
+              <a:t>&gt;</a:t>
+            </a:r>
+            <a:endParaRPr lang="zh-CN" altLang="en-US" dirty="0"/>
+          </a:p>
+        </p:txBody>
+      </p:sp>
+    </p:spTree>
+    <p:extLst>
+      <p:ext uri="{BB962C8B-B14F-4D97-AF65-F5344CB8AC3E}">
+        <p14:creationId xmlns:p14="http://schemas.microsoft.com/office/powerpoint/2010/main" val="3342133087"/>
+      </p:ext>
+    </p:extLst>
+  </p:cSld>
+  <p:clrMapOvr>
+    <a:masterClrMapping/>
+  </p:clrMapOvr>
+</p:sld>
+</file>
+
+<file path=ppt/slides/slide24.xml><?xml version="1.0" encoding="utf-8"?>
+<p:sld xmlns:a="http://schemas.openxmlformats.org/drawingml/2006/main" xmlns:r="http://schemas.openxmlformats.org/officeDocument/2006/relationships" xmlns:p="http://schemas.openxmlformats.org/presentationml/2006/main">
+  <p:cSld>
+    <p:spTree>
+      <p:nvGrpSpPr>
+        <p:cNvPr id="1" name=""/>
+        <p:cNvGrpSpPr/>
+        <p:nvPr/>
+      </p:nvGrpSpPr>
+      <p:grpSpPr>
+        <a:xfrm>
+          <a:off x="0" y="0"/>
+          <a:ext cx="0" cy="0"/>
+          <a:chOff x="0" y="0"/>
+          <a:chExt cx="0" cy="0"/>
+        </a:xfrm>
+      </p:grpSpPr>
+      <p:sp>
+        <p:nvSpPr>
+          <p:cNvPr id="2" name="标题 1"/>
+          <p:cNvSpPr>
+            <a:spLocks noGrp="1"/>
+          </p:cNvSpPr>
+          <p:nvPr>
+            <p:ph type="title"/>
+          </p:nvPr>
+        </p:nvSpPr>
+        <p:spPr/>
+        <p:txBody>
+          <a:bodyPr/>
+          <a:lstStyle/>
+          <a:p>
+            <a:endParaRPr lang="zh-CN" altLang="en-US"/>
+          </a:p>
+        </p:txBody>
+      </p:sp>
+      <p:sp>
+        <p:nvSpPr>
+          <p:cNvPr id="3" name="内容占位符 2"/>
+          <p:cNvSpPr>
+            <a:spLocks noGrp="1"/>
+          </p:cNvSpPr>
+          <p:nvPr>
+            <p:ph idx="1"/>
+          </p:nvPr>
+        </p:nvSpPr>
+        <p:spPr/>
+        <p:txBody>
+          <a:bodyPr>
+            <a:normAutofit fontScale="32500" lnSpcReduction="20000"/>
+          </a:bodyPr>
+          <a:lstStyle/>
+          <a:p>
+            <a:r>
+              <a:rPr lang="en-US" altLang="zh-CN" dirty="0" smtClean="0"/>
+              <a:t>3.2:</a:t>
+            </a:r>
+          </a:p>
+          <a:p>
+            <a:r>
+              <a:rPr lang="en-US" altLang="zh-CN" dirty="0"/>
+              <a:t>WEB-INF</a:t>
+            </a:r>
+          </a:p>
+          <a:p>
+            <a:r>
+              <a:rPr lang="en-US" altLang="zh-CN" dirty="0"/>
+              <a:t>web.xml -&gt;</a:t>
+            </a:r>
+          </a:p>
+          <a:p>
+            <a:r>
+              <a:rPr lang="en-US" altLang="zh-CN" dirty="0"/>
+              <a:t>&lt;resource-</a:t>
+            </a:r>
+            <a:r>
+              <a:rPr lang="en-US" altLang="zh-CN" u="sng" dirty="0"/>
+              <a:t>ref&gt;</a:t>
+            </a:r>
+          </a:p>
+          <a:p>
+            <a:r>
+              <a:rPr lang="en-US" altLang="zh-CN" dirty="0"/>
+              <a:t>        &lt;description&gt;Database resource for rest demo web application &lt;/description&gt;</a:t>
+            </a:r>
+          </a:p>
+          <a:p>
+            <a:r>
+              <a:rPr lang="en-US" altLang="zh-CN" dirty="0"/>
+              <a:t>        &lt;res-</a:t>
+            </a:r>
+            <a:r>
+              <a:rPr lang="en-US" altLang="zh-CN" u="sng" dirty="0"/>
+              <a:t>ref-name&gt;</a:t>
+            </a:r>
+            <a:r>
+              <a:rPr lang="en-US" altLang="zh-CN" u="sng" dirty="0" err="1"/>
+              <a:t>jdbc</a:t>
+            </a:r>
+            <a:r>
+              <a:rPr lang="en-US" altLang="zh-CN" u="sng" dirty="0"/>
+              <a:t>/</a:t>
+            </a:r>
+            <a:r>
+              <a:rPr lang="en-US" altLang="zh-CN" u="sng" dirty="0" err="1"/>
+              <a:t>shuyouliuDB</a:t>
+            </a:r>
+            <a:r>
+              <a:rPr lang="en-US" altLang="zh-CN" u="sng" dirty="0"/>
+              <a:t>&lt;/res-ref-name&gt;</a:t>
+            </a:r>
+          </a:p>
+          <a:p>
+            <a:r>
+              <a:rPr lang="en-US" altLang="zh-CN" dirty="0"/>
+              <a:t>        &lt;res-type&gt;</a:t>
+            </a:r>
+            <a:r>
+              <a:rPr lang="en-US" altLang="zh-CN" dirty="0" err="1"/>
+              <a:t>javax.sql.DataSource</a:t>
+            </a:r>
+            <a:r>
+              <a:rPr lang="en-US" altLang="zh-CN" dirty="0"/>
+              <a:t>&lt;/res-type&gt;</a:t>
+            </a:r>
+          </a:p>
+          <a:p>
+            <a:r>
+              <a:rPr lang="en-US" altLang="zh-CN" dirty="0"/>
+              <a:t>        &lt;res-</a:t>
+            </a:r>
+            <a:r>
+              <a:rPr lang="en-US" altLang="zh-CN" u="sng" dirty="0" err="1"/>
+              <a:t>auth</a:t>
+            </a:r>
+            <a:r>
+              <a:rPr lang="en-US" altLang="zh-CN" u="sng" dirty="0"/>
+              <a:t>&gt;Container&lt;/res-</a:t>
+            </a:r>
+            <a:r>
+              <a:rPr lang="en-US" altLang="zh-CN" u="sng" dirty="0" err="1"/>
+              <a:t>auth</a:t>
+            </a:r>
+            <a:r>
+              <a:rPr lang="en-US" altLang="zh-CN" u="sng" dirty="0"/>
+              <a:t>&gt;</a:t>
+            </a:r>
+          </a:p>
+          <a:p>
+            <a:r>
+              <a:rPr lang="en-US" altLang="zh-CN" dirty="0"/>
+              <a:t>    &lt;/resource-</a:t>
+            </a:r>
+            <a:r>
+              <a:rPr lang="en-US" altLang="zh-CN" u="sng" dirty="0"/>
+              <a:t>ref&gt;</a:t>
+            </a:r>
+          </a:p>
+          <a:p>
+            <a:r>
+              <a:rPr lang="zh-CN" altLang="en-US" dirty="0"/>
+              <a:t>    </a:t>
+            </a:r>
+          </a:p>
+          <a:p>
+            <a:r>
+              <a:rPr lang="en-US" altLang="zh-CN" dirty="0"/>
+              <a:t>jetty9.</a:t>
+            </a:r>
+            <a:r>
+              <a:rPr lang="en-US" altLang="zh-CN" u="sng" dirty="0"/>
+              <a:t>xml</a:t>
+            </a:r>
+          </a:p>
+          <a:p>
+            <a:r>
+              <a:rPr lang="en-US" altLang="zh-CN" dirty="0"/>
+              <a:t>&lt;Configure class="</a:t>
+            </a:r>
+            <a:r>
+              <a:rPr lang="en-US" altLang="zh-CN" dirty="0" err="1"/>
+              <a:t>org.eclipse.jetty.webapp.WebAppContext</a:t>
+            </a:r>
+            <a:r>
+              <a:rPr lang="en-US" altLang="zh-CN" dirty="0"/>
+              <a:t>"&gt;</a:t>
+            </a:r>
+          </a:p>
+          <a:p>
+            <a:r>
+              <a:rPr lang="en-US" altLang="zh-CN" dirty="0"/>
+              <a:t>   &lt;New id="</a:t>
+            </a:r>
+            <a:r>
+              <a:rPr lang="en-US" altLang="zh-CN" dirty="0" err="1"/>
+              <a:t>DSTest</a:t>
+            </a:r>
+            <a:r>
+              <a:rPr lang="en-US" altLang="zh-CN" dirty="0"/>
+              <a:t>" class="</a:t>
+            </a:r>
+            <a:r>
+              <a:rPr lang="en-US" altLang="zh-CN" dirty="0" err="1"/>
+              <a:t>org.eclipse.jetty.plus.jndi.Resource</a:t>
+            </a:r>
+            <a:r>
+              <a:rPr lang="en-US" altLang="zh-CN" dirty="0"/>
+              <a:t>"&gt;</a:t>
+            </a:r>
+          </a:p>
+          <a:p>
+            <a:r>
+              <a:rPr lang="en-US" altLang="zh-CN" dirty="0"/>
+              <a:t>     &lt;</a:t>
+            </a:r>
+            <a:r>
+              <a:rPr lang="en-US" altLang="zh-CN" dirty="0" err="1"/>
+              <a:t>Arg</a:t>
+            </a:r>
+            <a:r>
+              <a:rPr lang="en-US" altLang="zh-CN" dirty="0"/>
+              <a:t>&gt;&lt;/</a:t>
+            </a:r>
+            <a:r>
+              <a:rPr lang="en-US" altLang="zh-CN" dirty="0" err="1"/>
+              <a:t>Arg</a:t>
+            </a:r>
+            <a:r>
+              <a:rPr lang="en-US" altLang="zh-CN" dirty="0"/>
+              <a:t>&gt;</a:t>
+            </a:r>
+          </a:p>
+          <a:p>
+            <a:r>
+              <a:rPr lang="en-US" altLang="zh-CN" dirty="0"/>
+              <a:t>     &lt;</a:t>
+            </a:r>
+            <a:r>
+              <a:rPr lang="en-US" altLang="zh-CN" dirty="0" err="1"/>
+              <a:t>Arg</a:t>
+            </a:r>
+            <a:r>
+              <a:rPr lang="en-US" altLang="zh-CN" dirty="0"/>
+              <a:t>&gt;</a:t>
+            </a:r>
+            <a:r>
+              <a:rPr lang="en-US" altLang="zh-CN" u="sng" dirty="0" err="1"/>
+              <a:t>jdbc</a:t>
+            </a:r>
+            <a:r>
+              <a:rPr lang="en-US" altLang="zh-CN" u="sng" dirty="0"/>
+              <a:t>/</a:t>
+            </a:r>
+            <a:r>
+              <a:rPr lang="en-US" altLang="zh-CN" u="sng" dirty="0" err="1"/>
+              <a:t>shuyouliuDB</a:t>
+            </a:r>
+            <a:r>
+              <a:rPr lang="en-US" altLang="zh-CN" u="sng" dirty="0"/>
+              <a:t>&lt;/</a:t>
+            </a:r>
+            <a:r>
+              <a:rPr lang="en-US" altLang="zh-CN" u="sng" dirty="0" err="1"/>
+              <a:t>Arg</a:t>
+            </a:r>
+            <a:r>
+              <a:rPr lang="en-US" altLang="zh-CN" u="sng" dirty="0"/>
+              <a:t>&gt;</a:t>
+            </a:r>
+          </a:p>
+          <a:p>
+            <a:r>
+              <a:rPr lang="en-US" altLang="zh-CN" dirty="0"/>
+              <a:t>     &lt;</a:t>
+            </a:r>
+            <a:r>
+              <a:rPr lang="en-US" altLang="zh-CN" dirty="0" err="1"/>
+              <a:t>Arg</a:t>
+            </a:r>
+            <a:r>
+              <a:rPr lang="en-US" altLang="zh-CN" dirty="0"/>
+              <a:t>&gt;</a:t>
+            </a:r>
+          </a:p>
+          <a:p>
+            <a:r>
+              <a:rPr lang="en-US" altLang="zh-CN" dirty="0"/>
+              <a:t>        &lt;New class="com.mysql.jdbc.jdbc2.optional.MysqlConnectionPoolDataSource"&gt;</a:t>
+            </a:r>
+          </a:p>
+          <a:p>
+            <a:r>
+              <a:rPr lang="en-US" altLang="zh-CN" dirty="0"/>
+              <a:t>           &lt;Set name="</a:t>
+            </a:r>
+            <a:r>
+              <a:rPr lang="en-US" altLang="zh-CN" u="sng" dirty="0" err="1"/>
+              <a:t>Url</a:t>
+            </a:r>
+            <a:r>
+              <a:rPr lang="en-US" altLang="zh-CN" u="sng" dirty="0"/>
+              <a:t>"&gt;</a:t>
+            </a:r>
+            <a:r>
+              <a:rPr lang="en-US" altLang="zh-CN" u="sng" dirty="0" err="1"/>
+              <a:t>jdbc:mysql</a:t>
+            </a:r>
+            <a:r>
+              <a:rPr lang="en-US" altLang="zh-CN" u="sng" dirty="0"/>
+              <a:t>://localhost:3306/</a:t>
+            </a:r>
+            <a:r>
+              <a:rPr lang="en-US" altLang="zh-CN" u="sng" dirty="0" err="1"/>
+              <a:t>shuyouliuDB?allowMultiQueries</a:t>
+            </a:r>
+            <a:r>
+              <a:rPr lang="en-US" altLang="zh-CN" u="sng" dirty="0"/>
+              <a:t>=true&lt;/Set&gt;</a:t>
+            </a:r>
+          </a:p>
+          <a:p>
+            <a:r>
+              <a:rPr lang="en-US" altLang="zh-CN" dirty="0"/>
+              <a:t>           &lt;Set name="User"&gt;</a:t>
+            </a:r>
+            <a:r>
+              <a:rPr lang="en-US" altLang="zh-CN" u="sng" dirty="0" err="1"/>
+              <a:t>shuyouliu</a:t>
+            </a:r>
+            <a:r>
+              <a:rPr lang="en-US" altLang="zh-CN" u="sng" dirty="0"/>
+              <a:t>&lt;/Set&gt;</a:t>
+            </a:r>
+          </a:p>
+          <a:p>
+            <a:r>
+              <a:rPr lang="en-US" altLang="zh-CN" dirty="0"/>
+              <a:t>           &lt;Set name="Password"&gt;</a:t>
+            </a:r>
+            <a:r>
+              <a:rPr lang="en-US" altLang="zh-CN" u="sng" dirty="0" err="1"/>
+              <a:t>shuyouliu</a:t>
+            </a:r>
+            <a:r>
+              <a:rPr lang="en-US" altLang="zh-CN" u="sng" dirty="0"/>
+              <a:t>&lt;/Set&gt;</a:t>
+            </a:r>
+          </a:p>
+          <a:p>
+            <a:r>
+              <a:rPr lang="en-US" altLang="zh-CN" dirty="0"/>
+              <a:t>        &lt;/New&gt;</a:t>
+            </a:r>
+          </a:p>
+          <a:p>
+            <a:r>
+              <a:rPr lang="en-US" altLang="zh-CN" dirty="0"/>
+              <a:t>     &lt;/</a:t>
+            </a:r>
+            <a:r>
+              <a:rPr lang="en-US" altLang="zh-CN" dirty="0" err="1"/>
+              <a:t>Arg</a:t>
+            </a:r>
+            <a:r>
+              <a:rPr lang="en-US" altLang="zh-CN" dirty="0"/>
+              <a:t>&gt;</a:t>
+            </a:r>
+          </a:p>
+          <a:p>
+            <a:r>
+              <a:rPr lang="en-US" altLang="zh-CN" dirty="0"/>
+              <a:t>    &lt;/New&gt; </a:t>
+            </a:r>
+          </a:p>
+          <a:p>
+            <a:r>
+              <a:rPr lang="en-US" altLang="zh-CN" dirty="0"/>
+              <a:t>&lt;/Configure&gt;</a:t>
+            </a:r>
+          </a:p>
+          <a:p>
+            <a:r>
+              <a:rPr lang="zh-CN" altLang="en-US" dirty="0"/>
+              <a:t>    </a:t>
+            </a:r>
+          </a:p>
+          <a:p>
+            <a:r>
+              <a:rPr lang="en-US" altLang="zh-CN" dirty="0"/>
+              <a:t>applicationContext.xml</a:t>
+            </a:r>
+          </a:p>
+          <a:p>
+            <a:r>
+              <a:rPr lang="en-US" altLang="zh-CN" dirty="0"/>
+              <a:t>&lt;import resource="daoBean.xml"/&gt;</a:t>
+            </a:r>
+            <a:endParaRPr lang="zh-CN" altLang="en-US" dirty="0"/>
+          </a:p>
+        </p:txBody>
+      </p:sp>
+    </p:spTree>
+    <p:extLst>
+      <p:ext uri="{BB962C8B-B14F-4D97-AF65-F5344CB8AC3E}">
+        <p14:creationId xmlns:p14="http://schemas.microsoft.com/office/powerpoint/2010/main" val="1796893978"/>
+      </p:ext>
+    </p:extLst>
+  </p:cSld>
+  <p:clrMapOvr>
+    <a:masterClrMapping/>
+  </p:clrMapOvr>
+</p:sld>
+</file>
+
+<file path=ppt/slides/slide25.xml><?xml version="1.0" encoding="utf-8"?>
+<p:sld xmlns:a="http://schemas.openxmlformats.org/drawingml/2006/main" xmlns:r="http://schemas.openxmlformats.org/officeDocument/2006/relationships" xmlns:p="http://schemas.openxmlformats.org/presentationml/2006/main">
+  <p:cSld>
+    <p:spTree>
+      <p:nvGrpSpPr>
+        <p:cNvPr id="1" name=""/>
+        <p:cNvGrpSpPr/>
+        <p:nvPr/>
+      </p:nvGrpSpPr>
+      <p:grpSpPr>
+        <a:xfrm>
+          <a:off x="0" y="0"/>
+          <a:ext cx="0" cy="0"/>
+          <a:chOff x="0" y="0"/>
+          <a:chExt cx="0" cy="0"/>
+        </a:xfrm>
+      </p:grpSpPr>
+      <p:sp>
+        <p:nvSpPr>
+          <p:cNvPr id="2" name="标题 1"/>
+          <p:cNvSpPr>
+            <a:spLocks noGrp="1"/>
+          </p:cNvSpPr>
+          <p:nvPr>
+            <p:ph type="title"/>
+          </p:nvPr>
+        </p:nvSpPr>
+        <p:spPr/>
+        <p:txBody>
+          <a:bodyPr/>
+          <a:lstStyle/>
+          <a:p>
+            <a:endParaRPr lang="zh-CN" altLang="en-US"/>
+          </a:p>
+        </p:txBody>
+      </p:sp>
+      <p:sp>
+        <p:nvSpPr>
+          <p:cNvPr id="3" name="内容占位符 2"/>
+          <p:cNvSpPr>
+            <a:spLocks noGrp="1"/>
+          </p:cNvSpPr>
+          <p:nvPr>
+            <p:ph idx="1"/>
+          </p:nvPr>
+        </p:nvSpPr>
+        <p:spPr/>
+        <p:txBody>
+          <a:bodyPr>
+            <a:normAutofit fontScale="32500" lnSpcReduction="20000"/>
+          </a:bodyPr>
+          <a:lstStyle/>
+          <a:p>
+            <a:r>
+              <a:rPr lang="en-US" altLang="zh-CN" dirty="0" smtClean="0"/>
+              <a:t>3.3:</a:t>
+            </a:r>
+          </a:p>
+          <a:p>
+            <a:r>
+              <a:rPr lang="en-US" altLang="zh-CN" dirty="0" smtClean="0"/>
+              <a:t> </a:t>
+            </a:r>
+            <a:r>
+              <a:rPr lang="en-US" altLang="zh-CN" dirty="0"/>
+              <a:t>pom.xml</a:t>
+            </a:r>
+          </a:p>
+          <a:p>
+            <a:endParaRPr lang="zh-CN" altLang="en-US" dirty="0"/>
+          </a:p>
+          <a:p>
+            <a:r>
+              <a:rPr lang="en-US" altLang="zh-CN" dirty="0"/>
+              <a:t>&lt;dependency&gt;</a:t>
+            </a:r>
+          </a:p>
+          <a:p>
+            <a:r>
+              <a:rPr lang="en-US" altLang="zh-CN" dirty="0"/>
+              <a:t>&lt;</a:t>
+            </a:r>
+            <a:r>
+              <a:rPr lang="en-US" altLang="zh-CN" dirty="0" err="1"/>
+              <a:t>groupId</a:t>
+            </a:r>
+            <a:r>
+              <a:rPr lang="en-US" altLang="zh-CN" dirty="0"/>
+              <a:t>&gt;</a:t>
+            </a:r>
+            <a:r>
+              <a:rPr lang="en-US" altLang="zh-CN" dirty="0" err="1"/>
+              <a:t>org.springframework</a:t>
+            </a:r>
+            <a:r>
+              <a:rPr lang="en-US" altLang="zh-CN" dirty="0"/>
+              <a:t>&lt;/</a:t>
+            </a:r>
+            <a:r>
+              <a:rPr lang="en-US" altLang="zh-CN" dirty="0" err="1"/>
+              <a:t>groupId</a:t>
+            </a:r>
+            <a:r>
+              <a:rPr lang="en-US" altLang="zh-CN" dirty="0"/>
+              <a:t>&gt;</a:t>
+            </a:r>
+          </a:p>
+          <a:p>
+            <a:r>
+              <a:rPr lang="en-US" altLang="zh-CN" dirty="0"/>
+              <a:t>&lt;</a:t>
+            </a:r>
+            <a:r>
+              <a:rPr lang="en-US" altLang="zh-CN" dirty="0" err="1"/>
+              <a:t>artifactId</a:t>
+            </a:r>
+            <a:r>
+              <a:rPr lang="en-US" altLang="zh-CN" dirty="0"/>
+              <a:t>&gt;spring-</a:t>
+            </a:r>
+            <a:r>
+              <a:rPr lang="en-US" altLang="zh-CN" u="sng" dirty="0" err="1"/>
+              <a:t>jdbc</a:t>
+            </a:r>
+            <a:r>
+              <a:rPr lang="en-US" altLang="zh-CN" u="sng" dirty="0"/>
+              <a:t>&lt;/</a:t>
+            </a:r>
+            <a:r>
+              <a:rPr lang="en-US" altLang="zh-CN" u="sng" dirty="0" err="1"/>
+              <a:t>artifactId</a:t>
+            </a:r>
+            <a:r>
+              <a:rPr lang="en-US" altLang="zh-CN" u="sng" dirty="0"/>
+              <a:t>&gt;</a:t>
+            </a:r>
+          </a:p>
+          <a:p>
+            <a:r>
+              <a:rPr lang="en-US" altLang="zh-CN" dirty="0"/>
+              <a:t>&lt;version&gt;${</a:t>
+            </a:r>
+            <a:r>
+              <a:rPr lang="en-US" altLang="zh-CN" dirty="0" err="1"/>
+              <a:t>spring.version</a:t>
+            </a:r>
+            <a:r>
+              <a:rPr lang="en-US" altLang="zh-CN" dirty="0"/>
+              <a:t>}&lt;/version&gt;</a:t>
+            </a:r>
+          </a:p>
+          <a:p>
+            <a:r>
+              <a:rPr lang="en-US" altLang="zh-CN" dirty="0"/>
+              <a:t>&lt;/dependency&gt;</a:t>
+            </a:r>
+          </a:p>
+          <a:p>
+            <a:endParaRPr lang="zh-CN" altLang="en-US" dirty="0"/>
+          </a:p>
+          <a:p>
+            <a:r>
+              <a:rPr lang="en-US" altLang="zh-CN" dirty="0"/>
+              <a:t>&lt;dependency&gt;</a:t>
+            </a:r>
+          </a:p>
+          <a:p>
+            <a:r>
+              <a:rPr lang="en-US" altLang="zh-CN" dirty="0"/>
+              <a:t>&lt;</a:t>
+            </a:r>
+            <a:r>
+              <a:rPr lang="en-US" altLang="zh-CN" dirty="0" err="1"/>
+              <a:t>groupId</a:t>
+            </a:r>
+            <a:r>
+              <a:rPr lang="en-US" altLang="zh-CN" dirty="0"/>
+              <a:t>&gt;</a:t>
+            </a:r>
+            <a:r>
+              <a:rPr lang="en-US" altLang="zh-CN" dirty="0" err="1"/>
+              <a:t>org.springframework</a:t>
+            </a:r>
+            <a:r>
+              <a:rPr lang="en-US" altLang="zh-CN" dirty="0"/>
+              <a:t>&lt;/</a:t>
+            </a:r>
+            <a:r>
+              <a:rPr lang="en-US" altLang="zh-CN" dirty="0" err="1"/>
+              <a:t>groupId</a:t>
+            </a:r>
+            <a:r>
+              <a:rPr lang="en-US" altLang="zh-CN" dirty="0"/>
+              <a:t>&gt;</a:t>
+            </a:r>
+          </a:p>
+          <a:p>
+            <a:r>
+              <a:rPr lang="en-US" altLang="zh-CN" dirty="0"/>
+              <a:t>&lt;</a:t>
+            </a:r>
+            <a:r>
+              <a:rPr lang="en-US" altLang="zh-CN" dirty="0" err="1"/>
+              <a:t>artifactId</a:t>
+            </a:r>
+            <a:r>
+              <a:rPr lang="en-US" altLang="zh-CN" dirty="0"/>
+              <a:t>&gt;spring-</a:t>
+            </a:r>
+            <a:r>
+              <a:rPr lang="en-US" altLang="zh-CN" u="sng" dirty="0" err="1"/>
+              <a:t>tx</a:t>
+            </a:r>
+            <a:r>
+              <a:rPr lang="en-US" altLang="zh-CN" u="sng" dirty="0"/>
+              <a:t>&lt;/</a:t>
+            </a:r>
+            <a:r>
+              <a:rPr lang="en-US" altLang="zh-CN" u="sng" dirty="0" err="1"/>
+              <a:t>artifactId</a:t>
+            </a:r>
+            <a:r>
+              <a:rPr lang="en-US" altLang="zh-CN" u="sng" dirty="0"/>
+              <a:t>&gt;</a:t>
+            </a:r>
+          </a:p>
+          <a:p>
+            <a:r>
+              <a:rPr lang="en-US" altLang="zh-CN" dirty="0"/>
+              <a:t>&lt;version&gt;${</a:t>
+            </a:r>
+            <a:r>
+              <a:rPr lang="en-US" altLang="zh-CN" dirty="0" err="1"/>
+              <a:t>spring.version</a:t>
+            </a:r>
+            <a:r>
+              <a:rPr lang="en-US" altLang="zh-CN" dirty="0"/>
+              <a:t>}&lt;/version&gt;</a:t>
+            </a:r>
+          </a:p>
+          <a:p>
+            <a:r>
+              <a:rPr lang="en-US" altLang="zh-CN" dirty="0"/>
+              <a:t>&lt;/dependency&gt;</a:t>
+            </a:r>
+          </a:p>
+          <a:p>
+            <a:endParaRPr lang="zh-CN" altLang="en-US" dirty="0"/>
+          </a:p>
+          <a:p>
+            <a:endParaRPr lang="zh-CN" altLang="en-US" dirty="0"/>
+          </a:p>
+          <a:p>
+            <a:r>
+              <a:rPr lang="zh-CN" altLang="en-US" dirty="0"/>
+              <a:t>分页插件</a:t>
+            </a:r>
+          </a:p>
+          <a:p>
+            <a:r>
+              <a:rPr lang="zh-CN" altLang="en-US" dirty="0"/>
+              <a:t>需要一个常规方法</a:t>
+            </a:r>
+            <a:r>
+              <a:rPr lang="en-US" altLang="zh-CN" dirty="0"/>
+              <a:t>+</a:t>
+            </a:r>
+            <a:r>
+              <a:rPr lang="zh-CN" altLang="en-US" dirty="0"/>
+              <a:t>有</a:t>
+            </a:r>
+            <a:r>
+              <a:rPr lang="en-US" altLang="zh-CN" dirty="0" err="1"/>
+              <a:t>pageBound</a:t>
+            </a:r>
+            <a:r>
+              <a:rPr lang="zh-CN" altLang="en-US" dirty="0"/>
+              <a:t>的方法。同名某则报错：</a:t>
+            </a:r>
+            <a:r>
+              <a:rPr lang="en-US" altLang="zh-CN" dirty="0" err="1"/>
+              <a:t>org.apache.ibatis.binding.BindingException</a:t>
+            </a:r>
+            <a:r>
+              <a:rPr lang="en-US" altLang="zh-CN" dirty="0"/>
+              <a:t>: Invalid bound statement (not found): </a:t>
+            </a:r>
+            <a:r>
+              <a:rPr lang="en-US" altLang="zh-CN" dirty="0" err="1"/>
+              <a:t>cn.shuyouliu.liusy.dao.IUserDao.getUserList</a:t>
+            </a:r>
+            <a:endParaRPr lang="en-US" altLang="zh-CN" dirty="0"/>
+          </a:p>
+          <a:p>
+            <a:r>
+              <a:rPr lang="en-US" altLang="zh-CN" dirty="0"/>
+              <a:t>@Select("SELECT * FROM </a:t>
+            </a:r>
+            <a:r>
+              <a:rPr lang="en-US" altLang="zh-CN" dirty="0" err="1"/>
+              <a:t>rd_user</a:t>
+            </a:r>
+            <a:r>
+              <a:rPr lang="en-US" altLang="zh-CN" dirty="0"/>
+              <a:t> order by id")</a:t>
+            </a:r>
+          </a:p>
+          <a:p>
+            <a:r>
+              <a:rPr lang="en-US" altLang="zh-CN" dirty="0"/>
+              <a:t>public List&lt;User&gt; </a:t>
+            </a:r>
+            <a:r>
+              <a:rPr lang="en-US" altLang="zh-CN" dirty="0" err="1"/>
+              <a:t>getUserList</a:t>
+            </a:r>
+            <a:r>
+              <a:rPr lang="en-US" altLang="zh-CN" dirty="0"/>
+              <a:t>();</a:t>
+            </a:r>
+          </a:p>
+          <a:p>
+            <a:r>
+              <a:rPr lang="en-US" altLang="zh-CN" dirty="0"/>
+              <a:t>public List&lt;User&gt; </a:t>
+            </a:r>
+            <a:r>
+              <a:rPr lang="en-US" altLang="zh-CN" dirty="0" err="1"/>
+              <a:t>getUserList</a:t>
+            </a:r>
+            <a:r>
+              <a:rPr lang="en-US" altLang="zh-CN" dirty="0"/>
+              <a:t>(</a:t>
+            </a:r>
+            <a:r>
+              <a:rPr lang="en-US" altLang="zh-CN" dirty="0" err="1"/>
+              <a:t>PageBounds</a:t>
+            </a:r>
+            <a:r>
+              <a:rPr lang="en-US" altLang="zh-CN" dirty="0"/>
+              <a:t> </a:t>
+            </a:r>
+            <a:r>
+              <a:rPr lang="en-US" altLang="zh-CN" dirty="0" err="1"/>
+              <a:t>pageBounds</a:t>
+            </a:r>
+            <a:r>
+              <a:rPr lang="en-US" altLang="zh-CN" dirty="0"/>
+              <a:t>);</a:t>
+            </a:r>
+          </a:p>
+          <a:p>
+            <a:endParaRPr lang="zh-CN" altLang="en-US" dirty="0"/>
+          </a:p>
+          <a:p>
+            <a:r>
+              <a:rPr lang="en-US" altLang="zh-CN" dirty="0" err="1"/>
+              <a:t>sqlSessionFactory</a:t>
+            </a:r>
+            <a:r>
+              <a:rPr lang="en-US" altLang="zh-CN" dirty="0"/>
+              <a:t> </a:t>
+            </a:r>
+            <a:r>
+              <a:rPr lang="zh-CN" altLang="en-US" dirty="0"/>
+              <a:t>配置</a:t>
+            </a:r>
+          </a:p>
+          <a:p>
+            <a:r>
+              <a:rPr lang="en-US" altLang="zh-CN" dirty="0"/>
+              <a:t>&lt;property name="</a:t>
+            </a:r>
+            <a:r>
+              <a:rPr lang="en-US" altLang="zh-CN" u="sng" dirty="0"/>
+              <a:t>plugins"&gt;  </a:t>
+            </a:r>
+          </a:p>
+          <a:p>
+            <a:r>
+              <a:rPr lang="en-US" altLang="zh-CN" dirty="0"/>
+              <a:t>        &lt;bean class="</a:t>
+            </a:r>
+            <a:r>
+              <a:rPr lang="en-US" altLang="zh-CN" dirty="0" err="1"/>
+              <a:t>com.github.miemiedev.mybatis.paginator.OffsetLimitInterceptor</a:t>
+            </a:r>
+            <a:r>
+              <a:rPr lang="en-US" altLang="zh-CN" dirty="0"/>
+              <a:t>" &gt;</a:t>
+            </a:r>
+          </a:p>
+          <a:p>
+            <a:r>
+              <a:rPr lang="en-US" altLang="zh-CN" dirty="0"/>
+              <a:t>        &lt;property name="</a:t>
+            </a:r>
+            <a:r>
+              <a:rPr lang="en-US" altLang="zh-CN" dirty="0" err="1"/>
+              <a:t>dialectClass</a:t>
+            </a:r>
+            <a:r>
+              <a:rPr lang="en-US" altLang="zh-CN" dirty="0"/>
+              <a:t>" value="</a:t>
+            </a:r>
+            <a:r>
+              <a:rPr lang="en-US" altLang="zh-CN" dirty="0" err="1"/>
+              <a:t>com.github.miemiedev.mybatis.paginator.dialect.MySQLDialect</a:t>
+            </a:r>
+            <a:r>
+              <a:rPr lang="en-US" altLang="zh-CN" dirty="0"/>
+              <a:t>"/&gt;</a:t>
+            </a:r>
+          </a:p>
+          <a:p>
+            <a:r>
+              <a:rPr lang="en-US" altLang="zh-CN" dirty="0"/>
+              <a:t>        &lt;/bean&gt;  </a:t>
+            </a:r>
+          </a:p>
+          <a:p>
+            <a:r>
+              <a:rPr lang="en-US" altLang="zh-CN" dirty="0"/>
+              <a:t>    &lt;/property&gt;</a:t>
+            </a:r>
+            <a:endParaRPr lang="zh-CN" altLang="en-US" dirty="0"/>
+          </a:p>
+        </p:txBody>
+      </p:sp>
+    </p:spTree>
+    <p:extLst>
+      <p:ext uri="{BB962C8B-B14F-4D97-AF65-F5344CB8AC3E}">
+        <p14:creationId xmlns:p14="http://schemas.microsoft.com/office/powerpoint/2010/main" val="3703140225"/>
+      </p:ext>
+    </p:extLst>
+  </p:cSld>
+  <p:clrMapOvr>
+    <a:masterClrMapping/>
+  </p:clrMapOvr>
+</p:sld>
+</file>
+
+<file path=ppt/slides/slide26.xml><?xml version="1.0" encoding="utf-8"?>
+<p:sld xmlns:a="http://schemas.openxmlformats.org/drawingml/2006/main" xmlns:r="http://schemas.openxmlformats.org/officeDocument/2006/relationships" xmlns:p="http://schemas.openxmlformats.org/presentationml/2006/main">
+  <p:cSld>
+    <p:spTree>
+      <p:nvGrpSpPr>
+        <p:cNvPr id="1" name=""/>
+        <p:cNvGrpSpPr/>
+        <p:nvPr/>
+      </p:nvGrpSpPr>
+      <p:grpSpPr>
+        <a:xfrm>
+          <a:off x="0" y="0"/>
+          <a:ext cx="0" cy="0"/>
+          <a:chOff x="0" y="0"/>
+          <a:chExt cx="0" cy="0"/>
+        </a:xfrm>
+      </p:grpSpPr>
+      <p:sp>
+        <p:nvSpPr>
+          <p:cNvPr id="2" name="标题 1"/>
+          <p:cNvSpPr>
+            <a:spLocks noGrp="1"/>
+          </p:cNvSpPr>
+          <p:nvPr>
+            <p:ph type="title"/>
+          </p:nvPr>
+        </p:nvSpPr>
+        <p:spPr/>
+        <p:txBody>
+          <a:bodyPr/>
+          <a:lstStyle/>
+          <a:p>
+            <a:r>
+              <a:rPr lang="zh-CN" altLang="en-US" dirty="0" smtClean="0"/>
+              <a:t>创建 </a:t>
+            </a:r>
+            <a:r>
+              <a:rPr lang="en-US" altLang="zh-CN" dirty="0" smtClean="0"/>
+              <a:t>.service</a:t>
+            </a:r>
+            <a:endParaRPr lang="zh-CN" altLang="en-US" dirty="0"/>
+          </a:p>
+        </p:txBody>
+      </p:sp>
+      <p:pic>
+        <p:nvPicPr>
+          <p:cNvPr id="19458" name="Picture 2"/>
+          <p:cNvPicPr>
+            <a:picLocks noGrp="1" noChangeAspect="1" noChangeArrowheads="1"/>
+          </p:cNvPicPr>
+          <p:nvPr>
+            <p:ph idx="1"/>
+          </p:nvPr>
+        </p:nvPicPr>
+        <p:blipFill>
+          <a:blip r:embed="rId2">
+            <a:extLst>
+              <a:ext uri="{28A0092B-C50C-407E-A947-70E740481C1C}">
+                <a14:useLocalDpi xmlns:a14="http://schemas.microsoft.com/office/drawing/2010/main" val="0"/>
+              </a:ext>
+            </a:extLst>
+          </a:blip>
+          <a:srcRect/>
+          <a:stretch>
+            <a:fillRect/>
+          </a:stretch>
+        </p:blipFill>
+        <p:spPr bwMode="auto">
+          <a:xfrm>
+            <a:off x="1389924" y="1600200"/>
+            <a:ext cx="6364152" cy="4525963"/>
+          </a:xfrm>
+          <a:prstGeom prst="rect">
+            <a:avLst/>
+          </a:prstGeom>
+          <a:noFill/>
+          <a:ln>
+            <a:noFill/>
+          </a:ln>
+          <a:extLst>
+            <a:ext uri="{909E8E84-426E-40DD-AFC4-6F175D3DCCD1}">
+              <a14:hiddenFill xmlns:a14="http://schemas.microsoft.com/office/drawing/2010/main">
+                <a:solidFill>
+                  <a:schemeClr val="accent1"/>
+                </a:solidFill>
+              </a14:hiddenFill>
+            </a:ext>
+            <a:ext uri="{91240B29-F687-4F45-9708-019B960494DF}">
+              <a14:hiddenLine xmlns:a14="http://schemas.microsoft.com/office/drawing/2010/main" w="9525">
+                <a:solidFill>
+                  <a:schemeClr val="tx1"/>
+                </a:solidFill>
+                <a:miter lim="800000"/>
+                <a:headEnd/>
+                <a:tailEnd/>
+              </a14:hiddenLine>
+            </a:ext>
+          </a:extLst>
+        </p:spPr>
+      </p:pic>
+    </p:spTree>
+    <p:extLst>
+      <p:ext uri="{BB962C8B-B14F-4D97-AF65-F5344CB8AC3E}">
+        <p14:creationId xmlns:p14="http://schemas.microsoft.com/office/powerpoint/2010/main" val="2071538656"/>
+      </p:ext>
+    </p:extLst>
+  </p:cSld>
+  <p:clrMapOvr>
+    <a:masterClrMapping/>
+  </p:clrMapOvr>
+</p:sld>
+</file>
+
+<file path=ppt/slides/slide27.xml><?xml version="1.0" encoding="utf-8"?>
+<p:sld xmlns:a="http://schemas.openxmlformats.org/drawingml/2006/main" xmlns:r="http://schemas.openxmlformats.org/officeDocument/2006/relationships" xmlns:p="http://schemas.openxmlformats.org/presentationml/2006/main">
+  <p:cSld>
+    <p:spTree>
+      <p:nvGrpSpPr>
+        <p:cNvPr id="1" name=""/>
+        <p:cNvGrpSpPr/>
+        <p:nvPr/>
+      </p:nvGrpSpPr>
+      <p:grpSpPr>
+        <a:xfrm>
+          <a:off x="0" y="0"/>
+          <a:ext cx="0" cy="0"/>
+          <a:chOff x="0" y="0"/>
+          <a:chExt cx="0" cy="0"/>
+        </a:xfrm>
+      </p:grpSpPr>
+      <p:sp>
+        <p:nvSpPr>
+          <p:cNvPr id="2" name="标题 1"/>
+          <p:cNvSpPr>
+            <a:spLocks noGrp="1"/>
+          </p:cNvSpPr>
+          <p:nvPr>
+            <p:ph type="title"/>
+          </p:nvPr>
+        </p:nvSpPr>
+        <p:spPr/>
+        <p:txBody>
+          <a:bodyPr/>
+          <a:lstStyle/>
+          <a:p>
+            <a:r>
+              <a:rPr lang="en-US" altLang="zh-CN" dirty="0" smtClean="0"/>
+              <a:t>.service </a:t>
+            </a:r>
+            <a:r>
+              <a:rPr lang="zh-CN" altLang="en-US" dirty="0" smtClean="0"/>
+              <a:t>运行</a:t>
+            </a:r>
+            <a:endParaRPr lang="zh-CN" altLang="en-US" dirty="0"/>
+          </a:p>
+        </p:txBody>
+      </p:sp>
+      <p:pic>
+        <p:nvPicPr>
+          <p:cNvPr id="20482" name="Picture 2"/>
+          <p:cNvPicPr>
+            <a:picLocks noGrp="1" noChangeAspect="1" noChangeArrowheads="1"/>
+          </p:cNvPicPr>
+          <p:nvPr>
+            <p:ph idx="1"/>
+          </p:nvPr>
+        </p:nvPicPr>
+        <p:blipFill>
+          <a:blip r:embed="rId2">
+            <a:extLst>
+              <a:ext uri="{28A0092B-C50C-407E-A947-70E740481C1C}">
+                <a14:useLocalDpi xmlns:a14="http://schemas.microsoft.com/office/drawing/2010/main" val="0"/>
+              </a:ext>
+            </a:extLst>
+          </a:blip>
+          <a:srcRect/>
+          <a:stretch>
+            <a:fillRect/>
+          </a:stretch>
+        </p:blipFill>
+        <p:spPr bwMode="auto">
+          <a:xfrm>
+            <a:off x="1096202" y="1600200"/>
+            <a:ext cx="6951596" cy="4525963"/>
+          </a:xfrm>
+          <a:prstGeom prst="rect">
+            <a:avLst/>
+          </a:prstGeom>
+          <a:noFill/>
+          <a:ln>
+            <a:noFill/>
+          </a:ln>
+          <a:extLst>
+            <a:ext uri="{909E8E84-426E-40DD-AFC4-6F175D3DCCD1}">
+              <a14:hiddenFill xmlns:a14="http://schemas.microsoft.com/office/drawing/2010/main">
+                <a:solidFill>
+                  <a:schemeClr val="accent1"/>
+                </a:solidFill>
+              </a14:hiddenFill>
+            </a:ext>
+            <a:ext uri="{91240B29-F687-4F45-9708-019B960494DF}">
+              <a14:hiddenLine xmlns:a14="http://schemas.microsoft.com/office/drawing/2010/main" w="9525">
+                <a:solidFill>
+                  <a:schemeClr val="tx1"/>
+                </a:solidFill>
+                <a:miter lim="800000"/>
+                <a:headEnd/>
+                <a:tailEnd/>
+              </a14:hiddenLine>
+            </a:ext>
+          </a:extLst>
+        </p:spPr>
+      </p:pic>
+    </p:spTree>
+    <p:extLst>
+      <p:ext uri="{BB962C8B-B14F-4D97-AF65-F5344CB8AC3E}">
+        <p14:creationId xmlns:p14="http://schemas.microsoft.com/office/powerpoint/2010/main" val="90095986"/>
+      </p:ext>
+    </p:extLst>
+  </p:cSld>
+  <p:clrMapOvr>
+    <a:masterClrMapping/>
+  </p:clrMapOvr>
+</p:sld>
+</file>
+
 <file path=ppt/slides/slide3.xml><?xml version="1.0" encoding="utf-8"?>
 <p:sld xmlns:a="http://schemas.openxmlformats.org/drawingml/2006/main" xmlns:r="http://schemas.openxmlformats.org/officeDocument/2006/relationships" xmlns:p="http://schemas.openxmlformats.org/presentationml/2006/main">
   <p:cSld>
@@ -5441,7 +6976,7 @@
           <p:nvPr>
             <p:extLst>
               <p:ext uri="{D42A27DB-BD31-4B8C-83A1-F6EECF244321}">
-                <p14:modId xmlns:p14="http://schemas.microsoft.com/office/powerpoint/2010/main" val="133104882"/>
+                <p14:modId xmlns:p14="http://schemas.microsoft.com/office/powerpoint/2010/main" val="1975547594"/>
               </p:ext>
             </p:extLst>
           </p:nvPr>
@@ -5454,7 +6989,7 @@
           <a:graphicData uri="http://schemas.openxmlformats.org/presentationml/2006/ole">
             <mc:AlternateContent xmlns:mc="http://schemas.openxmlformats.org/markup-compatibility/2006">
               <mc:Choice xmlns:v="urn:schemas-microsoft-com:vml" Requires="v">
-                <p:oleObj spid="_x0000_s3096" name="包装程序外壳对象" showAsIcon="1" r:id="rId4" imgW="1092600" imgH="711360" progId="Package">
+                <p:oleObj spid="_x0000_s3104" name="包装程序外壳对象" showAsIcon="1" r:id="rId4" imgW="1092600" imgH="711360" progId="Package">
                   <p:embed/>
                 </p:oleObj>
               </mc:Choice>
